--- a/C-4_配布資料/C４_発表スライド.pptx
+++ b/C-4_配布資料/C４_発表スライド.pptx
@@ -8800,15 +8800,32 @@
               <a:buNone/>
             </a:pPr>
             <a:r>
-              <a:rPr lang="ja">
+              <a:rPr lang="ja" dirty="0">
                 <a:latin typeface="Meiryo"/>
                 <a:ea typeface="Meiryo"/>
                 <a:cs typeface="Meiryo"/>
                 <a:sym typeface="Meiryo"/>
               </a:rPr>
-              <a:t>Webアプリケーション開発発表</a:t>
-            </a:r>
-            <a:endParaRPr>
+              <a:t>Webアプリケーション</a:t>
+            </a:r>
+            <a:br>
+              <a:rPr lang="en-US" altLang="ja" dirty="0">
+                <a:latin typeface="Meiryo"/>
+                <a:ea typeface="Meiryo"/>
+                <a:cs typeface="Meiryo"/>
+                <a:sym typeface="Meiryo"/>
+              </a:rPr>
+            </a:br>
+            <a:r>
+              <a:rPr lang="ja" dirty="0">
+                <a:latin typeface="Meiryo"/>
+                <a:ea typeface="Meiryo"/>
+                <a:cs typeface="Meiryo"/>
+                <a:sym typeface="Meiryo"/>
+              </a:rPr>
+              <a:t>開発発表</a:t>
+            </a:r>
+            <a:endParaRPr dirty="0">
               <a:latin typeface="Meiryo"/>
               <a:ea typeface="Meiryo"/>
               <a:cs typeface="Meiryo"/>
@@ -9393,7 +9410,7 @@
               <a:buNone/>
             </a:pPr>
             <a:r>
-              <a:rPr lang="ja" sz="3500">
+              <a:rPr lang="ja" sz="3500" dirty="0">
                 <a:latin typeface="Meiryo"/>
                 <a:ea typeface="Meiryo"/>
                 <a:cs typeface="Meiryo"/>
@@ -9401,7 +9418,7 @@
               </a:rPr>
               <a:t>工夫点＆苦労した点②</a:t>
             </a:r>
-            <a:endParaRPr sz="3500"/>
+            <a:endParaRPr sz="3500" dirty="0"/>
           </a:p>
         </p:txBody>
       </p:sp>
@@ -9440,7 +9457,7 @@
               <a:buNone/>
             </a:pPr>
             <a:r>
-              <a:rPr lang="ja">
+              <a:rPr lang="ja-JP" altLang="en-US" sz="2000" dirty="0">
                 <a:solidFill>
                   <a:schemeClr val="dk1"/>
                 </a:solidFill>
@@ -9449,9 +9466,45 @@
                 <a:cs typeface="Meiryo"/>
                 <a:sym typeface="Meiryo"/>
               </a:rPr>
-              <a:t>　　SAVINGS=毎食ごとの削減金額　  →　　  SUM=月ごとの削減金額</a:t>
-            </a:r>
-            <a:endParaRPr>
+              <a:t>　</a:t>
+            </a:r>
+            <a:r>
+              <a:rPr lang="ja" sz="2000" dirty="0">
+                <a:solidFill>
+                  <a:schemeClr val="dk1"/>
+                </a:solidFill>
+                <a:latin typeface="Meiryo"/>
+                <a:ea typeface="Meiryo"/>
+                <a:cs typeface="Meiryo"/>
+                <a:sym typeface="Meiryo"/>
+              </a:rPr>
+              <a:t>SAVINGS=毎食ごとの削減金額　→</a:t>
+            </a:r>
+            <a:r>
+              <a:rPr lang="ja-JP" altLang="en-US" sz="2000" dirty="0">
+                <a:solidFill>
+                  <a:schemeClr val="dk1"/>
+                </a:solidFill>
+                <a:latin typeface="Meiryo"/>
+                <a:ea typeface="Meiryo"/>
+                <a:cs typeface="Meiryo"/>
+                <a:sym typeface="Meiryo"/>
+              </a:rPr>
+              <a:t>　</a:t>
+            </a:r>
+            <a:r>
+              <a:rPr lang="ja" sz="2000" dirty="0">
+                <a:solidFill>
+                  <a:schemeClr val="dk1"/>
+                </a:solidFill>
+                <a:latin typeface="Meiryo"/>
+                <a:ea typeface="Meiryo"/>
+                <a:cs typeface="Meiryo"/>
+                <a:sym typeface="Meiryo"/>
+              </a:rPr>
+              <a:t> SUM=月ごとの削減金額</a:t>
+            </a:r>
+            <a:endParaRPr sz="2000" dirty="0">
               <a:solidFill>
                 <a:schemeClr val="dk1"/>
               </a:solidFill>
@@ -9479,7 +9532,7 @@
         </p:blipFill>
         <p:spPr>
           <a:xfrm>
-            <a:off x="4863125" y="1524600"/>
+            <a:off x="4863126" y="1519647"/>
             <a:ext cx="3524250" cy="1200288"/>
           </a:xfrm>
           <a:prstGeom prst="rect">
@@ -9507,7 +9560,7 @@
         </p:blipFill>
         <p:spPr>
           <a:xfrm>
-            <a:off x="696351" y="1424875"/>
+            <a:off x="585928" y="1422684"/>
             <a:ext cx="3694948" cy="3262025"/>
           </a:xfrm>
           <a:prstGeom prst="rect">
@@ -9529,7 +9582,7 @@
         </p:nvCxnSpPr>
         <p:spPr>
           <a:xfrm rot="10800000" flipH="1">
-            <a:off x="4391298" y="2497887"/>
+            <a:off x="4280875" y="2495696"/>
             <a:ext cx="3088800" cy="558000"/>
           </a:xfrm>
           <a:prstGeom prst="straightConnector1">
@@ -9709,7 +9762,54 @@
               <a:buNone/>
             </a:pPr>
             <a:r>
-              <a:rPr lang="ja">
+              <a:rPr lang="en-US" altLang="ja-JP" dirty="0">
+                <a:solidFill>
+                  <a:schemeClr val="dk1"/>
+                </a:solidFill>
+                <a:latin typeface="Meiryo"/>
+                <a:ea typeface="Meiryo"/>
+                <a:cs typeface="Meiryo"/>
+                <a:sym typeface="Meiryo"/>
+              </a:rPr>
+              <a:t>【</a:t>
+            </a:r>
+            <a:r>
+              <a:rPr lang="ja-JP" altLang="en-US" dirty="0">
+                <a:solidFill>
+                  <a:schemeClr val="dk1"/>
+                </a:solidFill>
+                <a:latin typeface="Meiryo"/>
+                <a:ea typeface="Meiryo"/>
+                <a:cs typeface="Meiryo"/>
+                <a:sym typeface="Meiryo"/>
+              </a:rPr>
+              <a:t>工夫点</a:t>
+            </a:r>
+            <a:r>
+              <a:rPr lang="en-US" altLang="ja-JP" dirty="0">
+                <a:solidFill>
+                  <a:schemeClr val="dk1"/>
+                </a:solidFill>
+                <a:latin typeface="Meiryo"/>
+                <a:ea typeface="Meiryo"/>
+                <a:cs typeface="Meiryo"/>
+                <a:sym typeface="Meiryo"/>
+              </a:rPr>
+              <a:t>】</a:t>
+            </a:r>
+          </a:p>
+          <a:p>
+            <a:pPr marL="0" lvl="0" indent="0" algn="l" rtl="0">
+              <a:spcBef>
+                <a:spcPts val="0"/>
+              </a:spcBef>
+              <a:spcAft>
+                <a:spcPts val="0"/>
+              </a:spcAft>
+              <a:buNone/>
+            </a:pPr>
+            <a:r>
+              <a:rPr lang="ja" dirty="0">
                 <a:solidFill>
                   <a:schemeClr val="dk1"/>
                 </a:solidFill>
@@ -9720,7 +9820,7 @@
               </a:rPr>
               <a:t>DAOのSQL文で合計する処理をする！</a:t>
             </a:r>
-            <a:endParaRPr>
+            <a:endParaRPr lang="en-US" altLang="ja" dirty="0">
               <a:solidFill>
                 <a:schemeClr val="dk1"/>
               </a:solidFill>
@@ -9740,7 +9840,7 @@
               </a:spcAft>
               <a:buNone/>
             </a:pPr>
-            <a:endParaRPr>
+            <a:endParaRPr sz="1200" dirty="0">
               <a:solidFill>
                 <a:schemeClr val="dk1"/>
               </a:solidFill>
@@ -9761,9 +9861,12 @@
               <a:buNone/>
             </a:pPr>
             <a:r>
-              <a:rPr lang="ja">
+              <a:rPr lang="ja" sz="1400" dirty="0">
                 <a:solidFill>
-                  <a:schemeClr val="dk1"/>
+                  <a:schemeClr val="tx1">
+                    <a:lumMod val="75000"/>
+                    <a:lumOff val="25000"/>
+                  </a:schemeClr>
                 </a:solidFill>
                 <a:latin typeface="Meiryo"/>
                 <a:ea typeface="Meiryo"/>
@@ -9772,9 +9875,12 @@
               </a:rPr>
               <a:t>①recordテーブルのsavingsを、ログインしている人と日付で指定して取得</a:t>
             </a:r>
-            <a:endParaRPr>
+            <a:endParaRPr sz="1400" dirty="0">
               <a:solidFill>
-                <a:schemeClr val="dk1"/>
+                <a:schemeClr val="tx1">
+                  <a:lumMod val="75000"/>
+                  <a:lumOff val="25000"/>
+                </a:schemeClr>
               </a:solidFill>
               <a:latin typeface="Meiryo"/>
               <a:ea typeface="Meiryo"/>
@@ -9793,9 +9899,12 @@
               <a:buNone/>
             </a:pPr>
             <a:r>
-              <a:rPr lang="ja">
+              <a:rPr lang="ja" sz="1400" dirty="0">
                 <a:solidFill>
-                  <a:schemeClr val="dk1"/>
+                  <a:schemeClr val="tx1">
+                    <a:lumMod val="75000"/>
+                    <a:lumOff val="25000"/>
+                  </a:schemeClr>
                 </a:solidFill>
                 <a:latin typeface="Meiryo"/>
                 <a:ea typeface="Meiryo"/>
@@ -9804,9 +9913,12 @@
               </a:rPr>
               <a:t>②合計する</a:t>
             </a:r>
-            <a:endParaRPr>
+            <a:endParaRPr sz="1400" dirty="0">
               <a:solidFill>
-                <a:schemeClr val="dk1"/>
+                <a:schemeClr val="tx1">
+                  <a:lumMod val="75000"/>
+                  <a:lumOff val="25000"/>
+                </a:schemeClr>
               </a:solidFill>
               <a:latin typeface="Meiryo"/>
               <a:ea typeface="Meiryo"/>
@@ -9825,9 +9937,12 @@
               <a:buNone/>
             </a:pPr>
             <a:r>
-              <a:rPr lang="ja">
+              <a:rPr lang="ja" sz="1400" dirty="0">
                 <a:solidFill>
-                  <a:schemeClr val="dk1"/>
+                  <a:schemeClr val="tx1">
+                    <a:lumMod val="75000"/>
+                    <a:lumOff val="25000"/>
+                  </a:schemeClr>
                 </a:solidFill>
                 <a:latin typeface="Meiryo"/>
                 <a:ea typeface="Meiryo"/>
@@ -9836,9 +9951,12 @@
               </a:rPr>
               <a:t>③goalテーブルのsumに入れる</a:t>
             </a:r>
-            <a:endParaRPr>
+            <a:endParaRPr sz="1400" dirty="0">
               <a:solidFill>
-                <a:schemeClr val="dk1"/>
+                <a:schemeClr val="tx1">
+                  <a:lumMod val="75000"/>
+                  <a:lumOff val="25000"/>
+                </a:schemeClr>
               </a:solidFill>
               <a:latin typeface="Meiryo"/>
               <a:ea typeface="Meiryo"/>
@@ -9856,7 +9974,7 @@
               </a:spcAft>
               <a:buNone/>
             </a:pPr>
-            <a:endParaRPr>
+            <a:endParaRPr dirty="0">
               <a:solidFill>
                 <a:schemeClr val="dk1"/>
               </a:solidFill>
@@ -9876,7 +9994,7 @@
               </a:spcAft>
               <a:buNone/>
             </a:pPr>
-            <a:endParaRPr>
+            <a:endParaRPr dirty="0">
               <a:solidFill>
                 <a:schemeClr val="dk1"/>
               </a:solidFill>
@@ -9904,7 +10022,7 @@
         </p:blipFill>
         <p:spPr>
           <a:xfrm>
-            <a:off x="406052" y="2762252"/>
+            <a:off x="406050" y="2571750"/>
             <a:ext cx="8331899" cy="2005225"/>
           </a:xfrm>
           <a:prstGeom prst="rect">
@@ -9953,7 +10071,7 @@
         </p:nvSpPr>
         <p:spPr>
           <a:xfrm>
-            <a:off x="311700" y="216725"/>
+            <a:off x="311700" y="453393"/>
             <a:ext cx="8520600" cy="572700"/>
           </a:xfrm>
           <a:prstGeom prst="rect">
@@ -9979,7 +10097,7 @@
               <a:buNone/>
             </a:pPr>
             <a:r>
-              <a:rPr lang="ja" sz="3500">
+              <a:rPr lang="ja" sz="3500" dirty="0">
                 <a:latin typeface="Meiryo"/>
                 <a:ea typeface="Meiryo"/>
                 <a:cs typeface="Meiryo"/>
@@ -9987,7 +10105,7 @@
               </a:rPr>
               <a:t>工夫点＆苦労した点②</a:t>
             </a:r>
-            <a:endParaRPr sz="3500"/>
+            <a:endParaRPr sz="3500" dirty="0"/>
           </a:p>
         </p:txBody>
       </p:sp>
@@ -10003,8 +10121,8 @@
         </p:nvSpPr>
         <p:spPr>
           <a:xfrm>
-            <a:off x="311700" y="977875"/>
-            <a:ext cx="8520600" cy="3789600"/>
+            <a:off x="311700" y="1204855"/>
+            <a:ext cx="8520600" cy="3562619"/>
           </a:xfrm>
           <a:prstGeom prst="rect">
             <a:avLst/>
@@ -10026,7 +10144,7 @@
               <a:buNone/>
             </a:pPr>
             <a:r>
-              <a:rPr lang="ja">
+              <a:rPr lang="ja" dirty="0">
                 <a:solidFill>
                   <a:schemeClr val="dk1"/>
                 </a:solidFill>
@@ -10037,7 +10155,7 @@
               </a:rPr>
               <a:t>【苦労した点】</a:t>
             </a:r>
-            <a:endParaRPr>
+            <a:endParaRPr dirty="0">
               <a:solidFill>
                 <a:schemeClr val="dk1"/>
               </a:solidFill>
@@ -10057,7 +10175,7 @@
               </a:spcAft>
               <a:buNone/>
             </a:pPr>
-            <a:endParaRPr>
+            <a:endParaRPr dirty="0">
               <a:solidFill>
                 <a:schemeClr val="dk1"/>
               </a:solidFill>
@@ -10078,7 +10196,7 @@
               <a:buNone/>
             </a:pPr>
             <a:r>
-              <a:rPr lang="ja">
+              <a:rPr lang="ja" dirty="0">
                 <a:solidFill>
                   <a:schemeClr val="dk1"/>
                 </a:solidFill>
@@ -10089,7 +10207,7 @@
               </a:rPr>
               <a:t>・SQL文が複雑で頭がこんがらがってしまう…</a:t>
             </a:r>
-            <a:endParaRPr>
+            <a:endParaRPr dirty="0">
               <a:solidFill>
                 <a:schemeClr val="dk1"/>
               </a:solidFill>
@@ -10110,7 +10228,7 @@
               <a:buNone/>
             </a:pPr>
             <a:r>
-              <a:rPr lang="ja">
+              <a:rPr lang="ja" dirty="0">
                 <a:solidFill>
                   <a:schemeClr val="dk1"/>
                 </a:solidFill>
@@ -10121,7 +10239,7 @@
               </a:rPr>
               <a:t>→細分化して少しずつ確実に検証！</a:t>
             </a:r>
-            <a:endParaRPr>
+            <a:endParaRPr lang="en-US" altLang="ja" dirty="0">
               <a:solidFill>
                 <a:schemeClr val="dk1"/>
               </a:solidFill>
@@ -10141,7 +10259,7 @@
               </a:spcAft>
               <a:buNone/>
             </a:pPr>
-            <a:endParaRPr>
+            <a:endParaRPr dirty="0">
               <a:solidFill>
                 <a:schemeClr val="dk1"/>
               </a:solidFill>
@@ -10161,8 +10279,28 @@
               </a:spcAft>
               <a:buNone/>
             </a:pPr>
-            <a:r>
-              <a:rPr lang="ja">
+            <a:endParaRPr dirty="0">
+              <a:solidFill>
+                <a:schemeClr val="dk1"/>
+              </a:solidFill>
+              <a:latin typeface="Meiryo"/>
+              <a:ea typeface="Meiryo"/>
+              <a:cs typeface="Meiryo"/>
+              <a:sym typeface="Meiryo"/>
+            </a:endParaRPr>
+          </a:p>
+          <a:p>
+            <a:pPr marL="0" lvl="0" indent="0" algn="l" rtl="0">
+              <a:spcBef>
+                <a:spcPts val="0"/>
+              </a:spcBef>
+              <a:spcAft>
+                <a:spcPts val="0"/>
+              </a:spcAft>
+              <a:buNone/>
+            </a:pPr>
+            <a:r>
+              <a:rPr lang="ja" dirty="0">
                 <a:solidFill>
                   <a:schemeClr val="dk1"/>
                 </a:solidFill>
@@ -10173,7 +10311,7 @@
               </a:rPr>
               <a:t>・結合テストでバグを発見してしまった…</a:t>
             </a:r>
-            <a:endParaRPr>
+            <a:endParaRPr dirty="0">
               <a:solidFill>
                 <a:schemeClr val="dk1"/>
               </a:solidFill>
@@ -10194,7 +10332,7 @@
               <a:buNone/>
             </a:pPr>
             <a:r>
-              <a:rPr lang="ja">
+              <a:rPr lang="ja" dirty="0">
                 <a:solidFill>
                   <a:schemeClr val="dk1"/>
                 </a:solidFill>
@@ -10205,7 +10343,7 @@
               </a:rPr>
               <a:t>→こちらも落ち着いてデータの流れを検証</a:t>
             </a:r>
-            <a:endParaRPr>
+            <a:endParaRPr dirty="0">
               <a:solidFill>
                 <a:schemeClr val="dk1"/>
               </a:solidFill>
@@ -10226,7 +10364,7 @@
               <a:buNone/>
             </a:pPr>
             <a:r>
-              <a:rPr lang="ja">
+              <a:rPr lang="ja" dirty="0">
                 <a:solidFill>
                   <a:schemeClr val="dk1"/>
                 </a:solidFill>
@@ -10237,7 +10375,7 @@
               </a:rPr>
               <a:t>→足りない処理を発見！</a:t>
             </a:r>
-            <a:endParaRPr>
+            <a:endParaRPr dirty="0">
               <a:solidFill>
                 <a:schemeClr val="dk1"/>
               </a:solidFill>
@@ -10257,7 +10395,7 @@
               </a:spcAft>
               <a:buNone/>
             </a:pPr>
-            <a:endParaRPr>
+            <a:endParaRPr dirty="0">
               <a:solidFill>
                 <a:schemeClr val="dk1"/>
               </a:solidFill>
@@ -10371,7 +10509,7 @@
               <a:buNone/>
             </a:pPr>
             <a:r>
-              <a:rPr lang="ja">
+              <a:rPr lang="ja" dirty="0">
                 <a:solidFill>
                   <a:schemeClr val="dk1"/>
                 </a:solidFill>
@@ -10382,7 +10520,7 @@
               </a:rPr>
               <a:t>アラート機能</a:t>
             </a:r>
-            <a:endParaRPr>
+            <a:endParaRPr dirty="0">
               <a:solidFill>
                 <a:schemeClr val="dk1"/>
               </a:solidFill>
@@ -10408,7 +10546,7 @@
               <a:buNone/>
             </a:pPr>
             <a:r>
-              <a:rPr lang="ja">
+              <a:rPr lang="ja" dirty="0">
                 <a:solidFill>
                   <a:schemeClr val="dk1"/>
                 </a:solidFill>
@@ -10419,7 +10557,7 @@
               </a:rPr>
               <a:t>(セッションスコープのリセットタイミングなど)</a:t>
             </a:r>
-            <a:endParaRPr>
+            <a:endParaRPr dirty="0">
               <a:solidFill>
                 <a:schemeClr val="dk1"/>
               </a:solidFill>
@@ -10444,7 +10582,7 @@
               <a:buFont typeface="Arial"/>
               <a:buNone/>
             </a:pPr>
-            <a:endParaRPr>
+            <a:endParaRPr dirty="0">
               <a:solidFill>
                 <a:schemeClr val="dk1"/>
               </a:solidFill>
@@ -10470,7 +10608,7 @@
               <a:buNone/>
             </a:pPr>
             <a:r>
-              <a:rPr lang="ja">
+              <a:rPr lang="ja" dirty="0">
                 <a:solidFill>
                   <a:schemeClr val="dk1"/>
                 </a:solidFill>
@@ -10481,7 +10619,7 @@
               </a:rPr>
               <a:t>【工夫した点】</a:t>
             </a:r>
-            <a:endParaRPr>
+            <a:endParaRPr dirty="0">
               <a:solidFill>
                 <a:schemeClr val="dk1"/>
               </a:solidFill>
@@ -10507,7 +10645,7 @@
               <a:buNone/>
             </a:pPr>
             <a:r>
-              <a:rPr lang="ja">
+              <a:rPr lang="ja" dirty="0">
                 <a:solidFill>
                   <a:schemeClr val="dk1"/>
                 </a:solidFill>
@@ -10518,7 +10656,7 @@
               </a:rPr>
               <a:t>・毎月目標金額を設定画面から設定するのはめんどくさい...</a:t>
             </a:r>
-            <a:endParaRPr>
+            <a:endParaRPr dirty="0">
               <a:solidFill>
                 <a:schemeClr val="dk1"/>
               </a:solidFill>
@@ -10543,7 +10681,7 @@
               <a:buFont typeface="Arial"/>
               <a:buNone/>
             </a:pPr>
-            <a:endParaRPr>
+            <a:endParaRPr dirty="0">
               <a:solidFill>
                 <a:schemeClr val="dk1"/>
               </a:solidFill>
@@ -10569,7 +10707,7 @@
               <a:buNone/>
             </a:pPr>
             <a:r>
-              <a:rPr lang="ja">
+              <a:rPr lang="ja" dirty="0">
                 <a:solidFill>
                   <a:schemeClr val="dk1"/>
                 </a:solidFill>
@@ -10580,7 +10718,7 @@
               </a:rPr>
               <a:t>→ログイン後にその月の目標金額が未設定であれば設定ページが</a:t>
             </a:r>
-            <a:endParaRPr>
+            <a:endParaRPr dirty="0">
               <a:solidFill>
                 <a:schemeClr val="dk1"/>
               </a:solidFill>
@@ -10606,7 +10744,7 @@
               <a:buNone/>
             </a:pPr>
             <a:r>
-              <a:rPr lang="ja">
+              <a:rPr lang="ja" dirty="0">
                 <a:solidFill>
                   <a:schemeClr val="dk1"/>
                 </a:solidFill>
@@ -10617,7 +10755,7 @@
               </a:rPr>
               <a:t>　開かれるよう設定！</a:t>
             </a:r>
-            <a:endParaRPr>
+            <a:endParaRPr dirty="0">
               <a:solidFill>
                 <a:schemeClr val="dk1"/>
               </a:solidFill>
@@ -10788,7 +10926,7 @@
         </p:blipFill>
         <p:spPr>
           <a:xfrm>
-            <a:off x="599961" y="2080948"/>
+            <a:off x="599950" y="2423650"/>
             <a:ext cx="4178026" cy="1559450"/>
           </a:xfrm>
           <a:prstGeom prst="rect">
@@ -10816,7 +10954,7 @@
         </p:blipFill>
         <p:spPr>
           <a:xfrm>
-            <a:off x="5043148" y="1680748"/>
+            <a:off x="5182998" y="1765850"/>
             <a:ext cx="2785975" cy="2875050"/>
           </a:xfrm>
           <a:prstGeom prst="rect">
@@ -10878,7 +11016,7 @@
         </p:nvSpPr>
         <p:spPr>
           <a:xfrm>
-            <a:off x="4377987" y="1280550"/>
+            <a:off x="4517835" y="1092103"/>
             <a:ext cx="4116300" cy="400200"/>
           </a:xfrm>
           <a:prstGeom prst="rect">
@@ -10905,10 +11043,10 @@
               <a:buNone/>
             </a:pPr>
             <a:r>
-              <a:rPr lang="ja"/>
+              <a:rPr lang="ja" dirty="0"/>
               <a:t>②OKボタンを押すと目標金額設定ページへ遷移</a:t>
             </a:r>
-            <a:endParaRPr/>
+            <a:endParaRPr dirty="0"/>
           </a:p>
         </p:txBody>
       </p:sp>
@@ -10994,6 +11132,10 @@
           </p:nvPr>
         </p:nvSpPr>
         <p:spPr>
+          <a:xfrm>
+            <a:off x="311700" y="1152475"/>
+            <a:ext cx="5626521" cy="3416400"/>
+          </a:xfrm>
           <a:prstGeom prst="rect">
             <a:avLst/>
           </a:prstGeom>
@@ -11018,7 +11160,7 @@
               <a:buFont typeface="Arial"/>
               <a:buNone/>
             </a:pPr>
-            <a:endParaRPr>
+            <a:endParaRPr dirty="0">
               <a:solidFill>
                 <a:schemeClr val="dk1"/>
               </a:solidFill>
@@ -11044,7 +11186,7 @@
               <a:buNone/>
             </a:pPr>
             <a:r>
-              <a:rPr lang="ja">
+              <a:rPr lang="ja" sz="2000" dirty="0">
                 <a:solidFill>
                   <a:schemeClr val="dk1"/>
                 </a:solidFill>
@@ -11055,7 +11197,7 @@
               </a:rPr>
               <a:t>【工夫した点】</a:t>
             </a:r>
-            <a:endParaRPr>
+            <a:endParaRPr sz="2000" dirty="0">
               <a:solidFill>
                 <a:schemeClr val="dk1"/>
               </a:solidFill>
@@ -11081,7 +11223,7 @@
               <a:buNone/>
             </a:pPr>
             <a:r>
-              <a:rPr lang="ja">
+              <a:rPr lang="ja" sz="2000" dirty="0">
                 <a:solidFill>
                   <a:schemeClr val="dk1"/>
                 </a:solidFill>
@@ -11092,7 +11234,7 @@
               </a:rPr>
               <a:t>・ホーム画面へ遷移する度に</a:t>
             </a:r>
-            <a:endParaRPr>
+            <a:endParaRPr sz="2000" dirty="0">
               <a:solidFill>
                 <a:schemeClr val="dk1"/>
               </a:solidFill>
@@ -11118,7 +11260,7 @@
               <a:buNone/>
             </a:pPr>
             <a:r>
-              <a:rPr lang="ja">
+              <a:rPr lang="ja" sz="2000" dirty="0">
                 <a:solidFill>
                   <a:schemeClr val="dk1"/>
                 </a:solidFill>
@@ -11129,7 +11271,7 @@
               </a:rPr>
               <a:t>　「〇〇を作ってみましょう」と</a:t>
             </a:r>
-            <a:endParaRPr>
+            <a:endParaRPr sz="2000" dirty="0">
               <a:solidFill>
                 <a:schemeClr val="dk1"/>
               </a:solidFill>
@@ -11155,7 +11297,7 @@
               <a:buNone/>
             </a:pPr>
             <a:r>
-              <a:rPr lang="ja">
+              <a:rPr lang="ja" sz="2000" dirty="0">
                 <a:solidFill>
                   <a:schemeClr val="dk1"/>
                 </a:solidFill>
@@ -11166,7 +11308,7 @@
               </a:rPr>
               <a:t>　表示させるのはしつこい...</a:t>
             </a:r>
-            <a:endParaRPr>
+            <a:endParaRPr sz="2000" dirty="0">
               <a:solidFill>
                 <a:schemeClr val="dk1"/>
               </a:solidFill>
@@ -11191,7 +11333,7 @@
               <a:buFont typeface="Arial"/>
               <a:buNone/>
             </a:pPr>
-            <a:endParaRPr>
+            <a:endParaRPr sz="2000" dirty="0">
               <a:solidFill>
                 <a:schemeClr val="dk1"/>
               </a:solidFill>
@@ -11217,7 +11359,7 @@
               <a:buNone/>
             </a:pPr>
             <a:r>
-              <a:rPr lang="ja">
+              <a:rPr lang="ja" sz="2000" dirty="0">
                 <a:solidFill>
                   <a:schemeClr val="dk1"/>
                 </a:solidFill>
@@ -11228,7 +11370,7 @@
               </a:rPr>
               <a:t>→ログイン後、ホーム画面へ遷移した</a:t>
             </a:r>
-            <a:endParaRPr>
+            <a:endParaRPr sz="2000" dirty="0">
               <a:solidFill>
                 <a:schemeClr val="dk1"/>
               </a:solidFill>
@@ -11254,7 +11396,7 @@
               <a:buNone/>
             </a:pPr>
             <a:r>
-              <a:rPr lang="ja">
+              <a:rPr lang="ja" sz="2000" dirty="0">
                 <a:solidFill>
                   <a:schemeClr val="dk1"/>
                 </a:solidFill>
@@ -11263,9 +11405,9 @@
                 <a:cs typeface="Meiryo"/>
                 <a:sym typeface="Meiryo"/>
               </a:rPr>
-              <a:t>　タイミングのみで表示されるように調整！</a:t>
-            </a:r>
-            <a:endParaRPr>
+              <a:t>　タイミングのみで表示されるように</a:t>
+            </a:r>
+            <a:endParaRPr lang="en-US" altLang="ja" sz="2000" dirty="0">
               <a:solidFill>
                 <a:schemeClr val="dk1"/>
               </a:solidFill>
@@ -11290,7 +11432,31 @@
               <a:buFont typeface="Arial"/>
               <a:buNone/>
             </a:pPr>
-            <a:endParaRPr>
+            <a:r>
+              <a:rPr lang="ja-JP" altLang="en-US" sz="2000" dirty="0">
+                <a:solidFill>
+                  <a:schemeClr val="dk1"/>
+                </a:solidFill>
+                <a:latin typeface="Meiryo"/>
+                <a:ea typeface="Meiryo"/>
+                <a:cs typeface="Meiryo"/>
+                <a:sym typeface="Meiryo"/>
+              </a:rPr>
+              <a:t>　</a:t>
+            </a:r>
+            <a:r>
+              <a:rPr lang="ja" sz="2000" dirty="0">
+                <a:solidFill>
+                  <a:schemeClr val="dk1"/>
+                </a:solidFill>
+                <a:latin typeface="Meiryo"/>
+                <a:ea typeface="Meiryo"/>
+                <a:cs typeface="Meiryo"/>
+                <a:sym typeface="Meiryo"/>
+              </a:rPr>
+              <a:t>調整！</a:t>
+            </a:r>
+            <a:endParaRPr sz="2000" dirty="0">
               <a:solidFill>
                 <a:schemeClr val="dk1"/>
               </a:solidFill>
@@ -11315,7 +11481,7 @@
               <a:buFont typeface="Arial"/>
               <a:buNone/>
             </a:pPr>
-            <a:endParaRPr>
+            <a:endParaRPr dirty="0">
               <a:solidFill>
                 <a:schemeClr val="dk1"/>
               </a:solidFill>
@@ -11340,7 +11506,32 @@
               <a:buFont typeface="Arial"/>
               <a:buNone/>
             </a:pPr>
-            <a:endParaRPr>
+            <a:endParaRPr dirty="0">
+              <a:solidFill>
+                <a:schemeClr val="dk1"/>
+              </a:solidFill>
+              <a:latin typeface="Meiryo"/>
+              <a:ea typeface="Meiryo"/>
+              <a:cs typeface="Meiryo"/>
+              <a:sym typeface="Meiryo"/>
+            </a:endParaRPr>
+          </a:p>
+          <a:p>
+            <a:pPr marL="0" lvl="0" indent="0" algn="l" rtl="0">
+              <a:spcBef>
+                <a:spcPts val="0"/>
+              </a:spcBef>
+              <a:spcAft>
+                <a:spcPts val="0"/>
+              </a:spcAft>
+              <a:buClr>
+                <a:schemeClr val="dk1"/>
+              </a:buClr>
+              <a:buSzPts val="1100"/>
+              <a:buFont typeface="Arial"/>
+              <a:buNone/>
+            </a:pPr>
+            <a:endParaRPr dirty="0">
               <a:solidFill>
                 <a:schemeClr val="dk1"/>
               </a:solidFill>
@@ -12813,8 +13004,8 @@
         </p:nvSpPr>
         <p:spPr>
           <a:xfrm>
-            <a:off x="260275" y="1694350"/>
-            <a:ext cx="1140264" cy="347004"/>
+            <a:off x="164800" y="1694349"/>
+            <a:ext cx="1353373" cy="347005"/>
           </a:xfrm>
           <a:prstGeom prst="cloud">
             <a:avLst/>
@@ -12848,10 +13039,10 @@
               <a:buNone/>
             </a:pPr>
             <a:r>
-              <a:rPr lang="ja"/>
+              <a:rPr lang="ja" dirty="0"/>
               <a:t>before</a:t>
             </a:r>
-            <a:endParaRPr/>
+            <a:endParaRPr dirty="0"/>
           </a:p>
         </p:txBody>
       </p:sp>
@@ -13263,8 +13454,8 @@
         </p:nvSpPr>
         <p:spPr>
           <a:xfrm>
-            <a:off x="164800" y="1694350"/>
-            <a:ext cx="1140264" cy="347004"/>
+            <a:off x="135725" y="1747448"/>
+            <a:ext cx="1330513" cy="347004"/>
           </a:xfrm>
           <a:prstGeom prst="cloud">
             <a:avLst/>
@@ -13298,10 +13489,10 @@
               <a:buNone/>
             </a:pPr>
             <a:r>
-              <a:rPr lang="ja"/>
+              <a:rPr lang="ja" dirty="0"/>
               <a:t>before</a:t>
             </a:r>
-            <a:endParaRPr/>
+            <a:endParaRPr dirty="0"/>
           </a:p>
         </p:txBody>
       </p:sp>
@@ -13588,7 +13779,7 @@
               </a:spcAft>
               <a:buNone/>
             </a:pPr>
-            <a:endParaRPr sz="3000">
+            <a:endParaRPr sz="3000" dirty="0">
               <a:solidFill>
                 <a:schemeClr val="dk1"/>
               </a:solidFill>
@@ -13608,7 +13799,7 @@
               </a:spcAft>
               <a:buNone/>
             </a:pPr>
-            <a:endParaRPr sz="3000">
+            <a:endParaRPr sz="3000" dirty="0">
               <a:solidFill>
                 <a:schemeClr val="dk1"/>
               </a:solidFill>
@@ -13629,7 +13820,7 @@
               <a:buNone/>
             </a:pPr>
             <a:r>
-              <a:rPr lang="ja" sz="3000">
+              <a:rPr lang="ja" sz="3000" dirty="0">
                 <a:solidFill>
                   <a:schemeClr val="dk1"/>
                 </a:solidFill>
@@ -13640,7 +13831,7 @@
               </a:rPr>
               <a:t>・課題解決意識</a:t>
             </a:r>
-            <a:endParaRPr sz="3000">
+            <a:endParaRPr sz="3000" dirty="0">
               <a:solidFill>
                 <a:schemeClr val="dk1"/>
               </a:solidFill>
@@ -13660,7 +13851,7 @@
               </a:spcAft>
               <a:buNone/>
             </a:pPr>
-            <a:endParaRPr sz="3000">
+            <a:endParaRPr sz="3000" dirty="0">
               <a:solidFill>
                 <a:schemeClr val="dk1"/>
               </a:solidFill>
@@ -13686,7 +13877,7 @@
               <a:buNone/>
             </a:pPr>
             <a:r>
-              <a:rPr lang="ja" sz="3000">
+              <a:rPr lang="ja" sz="3000" dirty="0">
                 <a:solidFill>
                   <a:schemeClr val="dk1"/>
                 </a:solidFill>
@@ -13697,7 +13888,7 @@
               </a:rPr>
               <a:t>・個々の得意分野を生かしたチームワーク</a:t>
             </a:r>
-            <a:endParaRPr sz="3000"/>
+            <a:endParaRPr sz="3000" dirty="0"/>
           </a:p>
         </p:txBody>
       </p:sp>
@@ -13769,7 +13960,7 @@
               <a:buNone/>
             </a:pPr>
             <a:r>
-              <a:rPr lang="ja" sz="3500">
+              <a:rPr lang="ja" sz="3500" dirty="0">
                 <a:latin typeface="Meiryo"/>
                 <a:ea typeface="Meiryo"/>
                 <a:cs typeface="Meiryo"/>
@@ -13777,7 +13968,7 @@
               </a:rPr>
               <a:t>課題解決意識</a:t>
             </a:r>
-            <a:endParaRPr sz="3320"/>
+            <a:endParaRPr sz="3320" dirty="0"/>
           </a:p>
         </p:txBody>
       </p:sp>
@@ -13802,7 +13993,7 @@
         </p:spPr>
         <p:txBody>
           <a:bodyPr spcFirstLastPara="1" wrap="square" lIns="91425" tIns="91425" rIns="91425" bIns="91425" anchor="t" anchorCtr="0">
-            <a:normAutofit fontScale="40000" lnSpcReduction="20000"/>
+            <a:normAutofit/>
           </a:bodyPr>
           <a:lstStyle/>
           <a:p>
@@ -13816,7 +14007,7 @@
               <a:buNone/>
             </a:pPr>
             <a:r>
-              <a:rPr lang="ja" sz="10700">
+              <a:rPr lang="ja" sz="3000" dirty="0">
                 <a:solidFill>
                   <a:schemeClr val="dk1"/>
                 </a:solidFill>
@@ -13827,7 +14018,7 @@
               </a:rPr>
               <a:t>オンラインだと話し合いがしづらい</a:t>
             </a:r>
-            <a:endParaRPr sz="10700">
+            <a:endParaRPr sz="3000" dirty="0">
               <a:solidFill>
                 <a:schemeClr val="dk1"/>
               </a:solidFill>
@@ -13848,7 +14039,7 @@
               <a:buNone/>
             </a:pPr>
             <a:r>
-              <a:rPr lang="ja" sz="10700">
+              <a:rPr lang="ja" sz="3000" dirty="0">
                 <a:solidFill>
                   <a:schemeClr val="dk1"/>
                 </a:solidFill>
@@ -13859,7 +14050,7 @@
               </a:rPr>
               <a:t>→「可視化」を意識！</a:t>
             </a:r>
-            <a:endParaRPr sz="10700">
+            <a:endParaRPr sz="3000" dirty="0">
               <a:solidFill>
                 <a:schemeClr val="dk1"/>
               </a:solidFill>
@@ -13879,7 +14070,7 @@
               </a:spcAft>
               <a:buNone/>
             </a:pPr>
-            <a:endParaRPr sz="10700">
+            <a:endParaRPr sz="3000" dirty="0">
               <a:solidFill>
                 <a:schemeClr val="dk1"/>
               </a:solidFill>
@@ -13900,7 +14091,7 @@
               <a:buNone/>
             </a:pPr>
             <a:r>
-              <a:rPr lang="ja" sz="10700">
+              <a:rPr lang="ja" sz="3000" dirty="0">
                 <a:solidFill>
                   <a:schemeClr val="dk1"/>
                 </a:solidFill>
@@ -13911,7 +14102,7 @@
               </a:rPr>
               <a:t>・Googleツール</a:t>
             </a:r>
-            <a:endParaRPr sz="10700">
+            <a:endParaRPr sz="3000" dirty="0">
               <a:solidFill>
                 <a:schemeClr val="dk1"/>
               </a:solidFill>
@@ -13932,7 +14123,7 @@
               <a:buNone/>
             </a:pPr>
             <a:r>
-              <a:rPr lang="ja" sz="10700">
+              <a:rPr lang="ja" sz="3000" dirty="0">
                 <a:solidFill>
                   <a:schemeClr val="dk1"/>
                 </a:solidFill>
@@ -13943,7 +14134,7 @@
               </a:rPr>
               <a:t>・Zoomの画面共有</a:t>
             </a:r>
-            <a:endParaRPr sz="10700">
+            <a:endParaRPr sz="3000" dirty="0">
               <a:solidFill>
                 <a:schemeClr val="dk1"/>
               </a:solidFill>
@@ -13963,7 +14154,7 @@
               </a:spcAft>
               <a:buNone/>
             </a:pPr>
-            <a:endParaRPr sz="7500">
+            <a:endParaRPr sz="7500" dirty="0">
               <a:solidFill>
                 <a:schemeClr val="dk1"/>
               </a:solidFill>
@@ -13983,7 +14174,7 @@
               </a:spcAft>
               <a:buNone/>
             </a:pPr>
-            <a:endParaRPr sz="3000">
+            <a:endParaRPr sz="3000" dirty="0">
               <a:solidFill>
                 <a:schemeClr val="dk1"/>
               </a:solidFill>
@@ -14003,7 +14194,7 @@
               </a:spcAft>
               <a:buNone/>
             </a:pPr>
-            <a:endParaRPr/>
+            <a:endParaRPr dirty="0"/>
           </a:p>
           <a:p>
             <a:pPr marL="0" lvl="0" indent="0" algn="l" rtl="0">
@@ -14015,7 +14206,7 @@
               </a:spcAft>
               <a:buNone/>
             </a:pPr>
-            <a:endParaRPr/>
+            <a:endParaRPr dirty="0"/>
           </a:p>
           <a:p>
             <a:pPr marL="0" lvl="0" indent="0" algn="l" rtl="0">
@@ -14027,7 +14218,7 @@
               </a:spcAft>
               <a:buNone/>
             </a:pPr>
-            <a:endParaRPr/>
+            <a:endParaRPr dirty="0"/>
           </a:p>
         </p:txBody>
       </p:sp>
@@ -14354,7 +14545,7 @@
               </a:spcAft>
               <a:buNone/>
             </a:pPr>
-            <a:endParaRPr sz="2600">
+            <a:endParaRPr sz="2600" dirty="0">
               <a:solidFill>
                 <a:schemeClr val="dk1"/>
               </a:solidFill>
@@ -14379,8 +14570,33 @@
               <a:buFont typeface="Arial"/>
               <a:buNone/>
             </a:pPr>
-            <a:r>
-              <a:rPr lang="ja" sz="2600">
+            <a:endParaRPr lang="en-US" altLang="ja" sz="2600" dirty="0">
+              <a:solidFill>
+                <a:schemeClr val="dk1"/>
+              </a:solidFill>
+              <a:latin typeface="Meiryo"/>
+              <a:ea typeface="Meiryo"/>
+              <a:cs typeface="Meiryo"/>
+              <a:sym typeface="Meiryo"/>
+            </a:endParaRPr>
+          </a:p>
+          <a:p>
+            <a:pPr marL="0" lvl="0" indent="0" algn="l" rtl="0">
+              <a:spcBef>
+                <a:spcPts val="0"/>
+              </a:spcBef>
+              <a:spcAft>
+                <a:spcPts val="0"/>
+              </a:spcAft>
+              <a:buClr>
+                <a:schemeClr val="dk1"/>
+              </a:buClr>
+              <a:buSzPts val="1100"/>
+              <a:buFont typeface="Arial"/>
+              <a:buNone/>
+            </a:pPr>
+            <a:r>
+              <a:rPr lang="ja" sz="3000" dirty="0">
                 <a:solidFill>
                   <a:schemeClr val="dk1"/>
                 </a:solidFill>
@@ -14391,7 +14607,7 @@
               </a:rPr>
               <a:t>それぞれの立場からの意見交換</a:t>
             </a:r>
-            <a:endParaRPr sz="2600">
+            <a:endParaRPr lang="en-US" altLang="ja" sz="3000" dirty="0">
               <a:solidFill>
                 <a:schemeClr val="dk1"/>
               </a:solidFill>
@@ -14416,8 +14632,58 @@
               <a:buFont typeface="Arial"/>
               <a:buNone/>
             </a:pPr>
-            <a:r>
-              <a:rPr lang="ja" sz="2600">
+            <a:endParaRPr lang="en-US" sz="3000" dirty="0">
+              <a:solidFill>
+                <a:schemeClr val="dk1"/>
+              </a:solidFill>
+              <a:latin typeface="Meiryo"/>
+              <a:ea typeface="Meiryo"/>
+              <a:cs typeface="Meiryo"/>
+              <a:sym typeface="Meiryo"/>
+            </a:endParaRPr>
+          </a:p>
+          <a:p>
+            <a:pPr marL="0" lvl="0" indent="0" algn="l" rtl="0">
+              <a:spcBef>
+                <a:spcPts val="0"/>
+              </a:spcBef>
+              <a:spcAft>
+                <a:spcPts val="0"/>
+              </a:spcAft>
+              <a:buClr>
+                <a:schemeClr val="dk1"/>
+              </a:buClr>
+              <a:buSzPts val="1100"/>
+              <a:buFont typeface="Arial"/>
+              <a:buNone/>
+            </a:pPr>
+            <a:endParaRPr sz="3000" dirty="0">
+              <a:solidFill>
+                <a:schemeClr val="dk1"/>
+              </a:solidFill>
+              <a:latin typeface="Meiryo"/>
+              <a:ea typeface="Meiryo"/>
+              <a:cs typeface="Meiryo"/>
+              <a:sym typeface="Meiryo"/>
+            </a:endParaRPr>
+          </a:p>
+          <a:p>
+            <a:pPr marL="0" lvl="0" indent="0" algn="l" rtl="0">
+              <a:spcBef>
+                <a:spcPts val="0"/>
+              </a:spcBef>
+              <a:spcAft>
+                <a:spcPts val="0"/>
+              </a:spcAft>
+              <a:buClr>
+                <a:schemeClr val="dk1"/>
+              </a:buClr>
+              <a:buSzPts val="1100"/>
+              <a:buFont typeface="Arial"/>
+              <a:buNone/>
+            </a:pPr>
+            <a:r>
+              <a:rPr lang="ja" sz="3000" dirty="0">
                 <a:solidFill>
                   <a:schemeClr val="dk1"/>
                 </a:solidFill>
@@ -14428,7 +14694,7 @@
               </a:rPr>
               <a:t>→より良いシステムを目指すことが出来た！</a:t>
             </a:r>
-            <a:endParaRPr sz="2600"/>
+            <a:endParaRPr sz="3000" dirty="0"/>
           </a:p>
         </p:txBody>
       </p:sp>
@@ -14537,7 +14803,7 @@
               </a:spcAft>
               <a:buNone/>
             </a:pPr>
-            <a:endParaRPr sz="3000">
+            <a:endParaRPr sz="3000" dirty="0">
               <a:solidFill>
                 <a:schemeClr val="dk1"/>
               </a:solidFill>
@@ -14557,7 +14823,7 @@
               </a:spcAft>
               <a:buNone/>
             </a:pPr>
-            <a:endParaRPr sz="3000">
+            <a:endParaRPr sz="3000" dirty="0">
               <a:solidFill>
                 <a:schemeClr val="dk1"/>
               </a:solidFill>
@@ -14578,7 +14844,7 @@
               <a:buNone/>
             </a:pPr>
             <a:r>
-              <a:rPr lang="ja" sz="3000">
+              <a:rPr lang="ja" sz="3000" dirty="0">
                 <a:solidFill>
                   <a:schemeClr val="dk1"/>
                 </a:solidFill>
@@ -14589,7 +14855,7 @@
               </a:rPr>
               <a:t>・決めた内容が分かり辛い時があった</a:t>
             </a:r>
-            <a:endParaRPr sz="3000">
+            <a:endParaRPr sz="3000" dirty="0">
               <a:solidFill>
                 <a:schemeClr val="dk1"/>
               </a:solidFill>
@@ -14609,7 +14875,7 @@
               </a:spcAft>
               <a:buNone/>
             </a:pPr>
-            <a:endParaRPr sz="3000">
+            <a:endParaRPr sz="3000" dirty="0">
               <a:solidFill>
                 <a:schemeClr val="dk1"/>
               </a:solidFill>
@@ -14630,7 +14896,7 @@
               <a:buNone/>
             </a:pPr>
             <a:r>
-              <a:rPr lang="ja" sz="3000">
+              <a:rPr lang="ja" sz="3000" dirty="0">
                 <a:solidFill>
                   <a:schemeClr val="dk1"/>
                 </a:solidFill>
@@ -14641,7 +14907,7 @@
               </a:rPr>
               <a:t>・実装工程以降、1人で抱えることが増えた</a:t>
             </a:r>
-            <a:endParaRPr sz="3000"/>
+            <a:endParaRPr sz="3000" dirty="0"/>
           </a:p>
         </p:txBody>
       </p:sp>
@@ -14750,8 +15016,48 @@
               </a:spcAft>
               <a:buNone/>
             </a:pPr>
-            <a:r>
-              <a:rPr lang="ja" sz="2700">
+            <a:endParaRPr lang="en-US" altLang="ja" sz="2700" dirty="0">
+              <a:solidFill>
+                <a:schemeClr val="dk1"/>
+              </a:solidFill>
+              <a:latin typeface="Meiryo"/>
+              <a:ea typeface="Meiryo"/>
+              <a:cs typeface="Meiryo"/>
+              <a:sym typeface="Meiryo"/>
+            </a:endParaRPr>
+          </a:p>
+          <a:p>
+            <a:pPr marL="0" lvl="0" indent="0" algn="l" rtl="0">
+              <a:spcBef>
+                <a:spcPts val="0"/>
+              </a:spcBef>
+              <a:spcAft>
+                <a:spcPts val="0"/>
+              </a:spcAft>
+              <a:buNone/>
+            </a:pPr>
+            <a:endParaRPr lang="en-US" altLang="ja" sz="2700" dirty="0">
+              <a:solidFill>
+                <a:schemeClr val="dk1"/>
+              </a:solidFill>
+              <a:latin typeface="Meiryo"/>
+              <a:ea typeface="Meiryo"/>
+              <a:cs typeface="Meiryo"/>
+              <a:sym typeface="Meiryo"/>
+            </a:endParaRPr>
+          </a:p>
+          <a:p>
+            <a:pPr marL="0" lvl="0" indent="0" algn="l" rtl="0">
+              <a:spcBef>
+                <a:spcPts val="0"/>
+              </a:spcBef>
+              <a:spcAft>
+                <a:spcPts val="0"/>
+              </a:spcAft>
+              <a:buNone/>
+            </a:pPr>
+            <a:r>
+              <a:rPr lang="ja" sz="2700" dirty="0">
                 <a:solidFill>
                   <a:schemeClr val="dk1"/>
                 </a:solidFill>
@@ -14760,9 +15066,9 @@
                 <a:cs typeface="Meiryo"/>
                 <a:sym typeface="Meiryo"/>
               </a:rPr>
-              <a:t>原因：決め事を明記していたが、漏れや曖昧になっている部分を見過ごしてしまった。</a:t>
-            </a:r>
-            <a:endParaRPr sz="2700">
+              <a:t>原因：漏れや曖昧になっている部分を見過ごしてしまった。</a:t>
+            </a:r>
+            <a:endParaRPr lang="en-US" altLang="ja" sz="2700" dirty="0">
               <a:solidFill>
                 <a:schemeClr val="dk1"/>
               </a:solidFill>
@@ -14782,7 +15088,7 @@
               </a:spcAft>
               <a:buNone/>
             </a:pPr>
-            <a:endParaRPr sz="2700">
+            <a:endParaRPr lang="en-US" altLang="ja" sz="2700" dirty="0">
               <a:solidFill>
                 <a:schemeClr val="dk1"/>
               </a:solidFill>
@@ -14803,7 +15109,7 @@
               <a:buNone/>
             </a:pPr>
             <a:r>
-              <a:rPr lang="ja" sz="2700">
+              <a:rPr lang="ja-JP" altLang="en-US" sz="2700" dirty="0">
                 <a:solidFill>
                   <a:schemeClr val="dk1"/>
                 </a:solidFill>
@@ -14812,30 +15118,10 @@
                 <a:cs typeface="Meiryo"/>
                 <a:sym typeface="Meiryo"/>
               </a:rPr>
-              <a:t>→漏れに気付くのも経験が必要なのかもしれない。今後の課題として個人で意識。</a:t>
-            </a:r>
-            <a:endParaRPr sz="2700">
-              <a:solidFill>
-                <a:schemeClr val="dk1"/>
-              </a:solidFill>
-              <a:latin typeface="Meiryo"/>
-              <a:ea typeface="Meiryo"/>
-              <a:cs typeface="Meiryo"/>
-              <a:sym typeface="Meiryo"/>
-            </a:endParaRPr>
-          </a:p>
-          <a:p>
-            <a:pPr marL="0" lvl="0" indent="0" algn="l" rtl="0">
-              <a:spcBef>
-                <a:spcPts val="0"/>
-              </a:spcBef>
-              <a:spcAft>
-                <a:spcPts val="0"/>
-              </a:spcAft>
-              <a:buNone/>
-            </a:pPr>
-            <a:r>
-              <a:rPr lang="ja" sz="2700">
+              <a:t>→気を付けていたが発生した？経験</a:t>
+            </a:r>
+            <a:r>
+              <a:rPr lang="en-US" altLang="ja-JP" sz="2700" dirty="0" err="1">
                 <a:solidFill>
                   <a:schemeClr val="dk1"/>
                 </a:solidFill>
@@ -14844,9 +15130,41 @@
                 <a:cs typeface="Meiryo"/>
                 <a:sym typeface="Meiryo"/>
               </a:rPr>
-              <a:t>※説明文やめる</a:t>
-            </a:r>
-            <a:endParaRPr sz="2700">
+              <a:t>etc</a:t>
+            </a:r>
+            <a:r>
+              <a:rPr lang="en-US" altLang="ja-JP" sz="2700" dirty="0">
+                <a:solidFill>
+                  <a:schemeClr val="dk1"/>
+                </a:solidFill>
+                <a:latin typeface="Meiryo"/>
+                <a:ea typeface="Meiryo"/>
+                <a:cs typeface="Meiryo"/>
+                <a:sym typeface="Meiryo"/>
+              </a:rPr>
+              <a:t>…</a:t>
+            </a:r>
+            <a:endParaRPr sz="2700" dirty="0">
+              <a:solidFill>
+                <a:schemeClr val="dk1"/>
+              </a:solidFill>
+              <a:latin typeface="Meiryo"/>
+              <a:ea typeface="Meiryo"/>
+              <a:cs typeface="Meiryo"/>
+              <a:sym typeface="Meiryo"/>
+            </a:endParaRPr>
+          </a:p>
+          <a:p>
+            <a:pPr marL="0" lvl="0" indent="0" algn="l" rtl="0">
+              <a:spcBef>
+                <a:spcPts val="0"/>
+              </a:spcBef>
+              <a:spcAft>
+                <a:spcPts val="0"/>
+              </a:spcAft>
+              <a:buNone/>
+            </a:pPr>
+            <a:endParaRPr sz="2700" dirty="0">
               <a:solidFill>
                 <a:schemeClr val="dk1"/>
               </a:solidFill>
@@ -14963,8 +15281,48 @@
               </a:spcAft>
               <a:buNone/>
             </a:pPr>
-            <a:r>
-              <a:rPr lang="ja" sz="2700">
+            <a:endParaRPr lang="en-US" altLang="ja" sz="2700" dirty="0">
+              <a:solidFill>
+                <a:schemeClr val="dk1"/>
+              </a:solidFill>
+              <a:latin typeface="Meiryo"/>
+              <a:ea typeface="Meiryo"/>
+              <a:cs typeface="Meiryo"/>
+              <a:sym typeface="Meiryo"/>
+            </a:endParaRPr>
+          </a:p>
+          <a:p>
+            <a:pPr marL="0" lvl="0" indent="0" algn="l" rtl="0">
+              <a:spcBef>
+                <a:spcPts val="0"/>
+              </a:spcBef>
+              <a:spcAft>
+                <a:spcPts val="0"/>
+              </a:spcAft>
+              <a:buNone/>
+            </a:pPr>
+            <a:endParaRPr lang="en-US" altLang="ja" sz="2700" dirty="0">
+              <a:solidFill>
+                <a:schemeClr val="dk1"/>
+              </a:solidFill>
+              <a:latin typeface="Meiryo"/>
+              <a:ea typeface="Meiryo"/>
+              <a:cs typeface="Meiryo"/>
+              <a:sym typeface="Meiryo"/>
+            </a:endParaRPr>
+          </a:p>
+          <a:p>
+            <a:pPr marL="0" lvl="0" indent="0" algn="l" rtl="0">
+              <a:spcBef>
+                <a:spcPts val="0"/>
+              </a:spcBef>
+              <a:spcAft>
+                <a:spcPts val="0"/>
+              </a:spcAft>
+              <a:buNone/>
+            </a:pPr>
+            <a:r>
+              <a:rPr lang="ja" sz="2700" dirty="0">
                 <a:solidFill>
                   <a:schemeClr val="dk1"/>
                 </a:solidFill>
@@ -14975,7 +15333,7 @@
               </a:rPr>
               <a:t>原因：お互いに何をしているかが見えづらい</a:t>
             </a:r>
-            <a:endParaRPr sz="2700">
+            <a:endParaRPr sz="2700" dirty="0">
               <a:solidFill>
                 <a:schemeClr val="dk1"/>
               </a:solidFill>
@@ -14995,7 +15353,7 @@
               </a:spcAft>
               <a:buNone/>
             </a:pPr>
-            <a:endParaRPr sz="2700">
+            <a:endParaRPr lang="en-US" sz="2700" dirty="0">
               <a:solidFill>
                 <a:schemeClr val="dk1"/>
               </a:solidFill>
@@ -15015,8 +15373,28 @@
               </a:spcAft>
               <a:buNone/>
             </a:pPr>
-            <a:r>
-              <a:rPr lang="ja" sz="2700">
+            <a:endParaRPr sz="2700" dirty="0">
+              <a:solidFill>
+                <a:schemeClr val="dk1"/>
+              </a:solidFill>
+              <a:latin typeface="Meiryo"/>
+              <a:ea typeface="Meiryo"/>
+              <a:cs typeface="Meiryo"/>
+              <a:sym typeface="Meiryo"/>
+            </a:endParaRPr>
+          </a:p>
+          <a:p>
+            <a:pPr marL="0" lvl="0" indent="0" algn="l" rtl="0">
+              <a:spcBef>
+                <a:spcPts val="0"/>
+              </a:spcBef>
+              <a:spcAft>
+                <a:spcPts val="0"/>
+              </a:spcAft>
+              <a:buNone/>
+            </a:pPr>
+            <a:r>
+              <a:rPr lang="ja" sz="2700" dirty="0">
                 <a:solidFill>
                   <a:schemeClr val="dk1"/>
                 </a:solidFill>
@@ -15025,35 +15403,10 @@
                 <a:cs typeface="Meiryo"/>
                 <a:sym typeface="Meiryo"/>
               </a:rPr>
-              <a:t>→工程表とやることリストを途中から導入、声掛けをするようにしたら解決した。</a:t>
-            </a:r>
-            <a:endParaRPr sz="2700">
-              <a:solidFill>
-                <a:schemeClr val="dk1"/>
-              </a:solidFill>
-              <a:latin typeface="Meiryo"/>
-              <a:ea typeface="Meiryo"/>
-              <a:cs typeface="Meiryo"/>
-              <a:sym typeface="Meiryo"/>
-            </a:endParaRPr>
-          </a:p>
-          <a:p>
-            <a:pPr marL="0" lvl="0" indent="0" algn="l" rtl="0">
-              <a:spcBef>
-                <a:spcPts val="0"/>
-              </a:spcBef>
-              <a:spcAft>
-                <a:spcPts val="0"/>
-              </a:spcAft>
-              <a:buClr>
-                <a:schemeClr val="dk1"/>
-              </a:buClr>
-              <a:buSzPts val="1100"/>
-              <a:buFont typeface="Arial"/>
-              <a:buNone/>
-            </a:pPr>
-            <a:r>
-              <a:rPr lang="ja" sz="2700">
+              <a:t>→工程表</a:t>
+            </a:r>
+            <a:r>
+              <a:rPr lang="ja-JP" altLang="en-US" sz="2700" dirty="0">
                 <a:solidFill>
                   <a:schemeClr val="dk1"/>
                 </a:solidFill>
@@ -15062,9 +15415,45 @@
                 <a:cs typeface="Meiryo"/>
                 <a:sym typeface="Meiryo"/>
               </a:rPr>
-              <a:t>※説明文やめる</a:t>
-            </a:r>
-            <a:endParaRPr sz="2700">
+              <a:t>、</a:t>
+            </a:r>
+            <a:r>
+              <a:rPr lang="ja" sz="2700" dirty="0">
+                <a:solidFill>
+                  <a:schemeClr val="dk1"/>
+                </a:solidFill>
+                <a:latin typeface="Meiryo"/>
+                <a:ea typeface="Meiryo"/>
+                <a:cs typeface="Meiryo"/>
+                <a:sym typeface="Meiryo"/>
+              </a:rPr>
+              <a:t>やることリスト</a:t>
+            </a:r>
+            <a:r>
+              <a:rPr lang="ja-JP" altLang="en-US" sz="2700" dirty="0">
+                <a:solidFill>
+                  <a:schemeClr val="dk1"/>
+                </a:solidFill>
+                <a:latin typeface="Meiryo"/>
+                <a:ea typeface="Meiryo"/>
+                <a:cs typeface="Meiryo"/>
+                <a:sym typeface="Meiryo"/>
+              </a:rPr>
+              <a:t>＆</a:t>
+            </a:r>
+            <a:r>
+              <a:rPr lang="ja" sz="2700" dirty="0">
+                <a:solidFill>
+                  <a:schemeClr val="dk1"/>
+                </a:solidFill>
+                <a:latin typeface="Meiryo"/>
+                <a:ea typeface="Meiryo"/>
+                <a:cs typeface="Meiryo"/>
+                <a:sym typeface="Meiryo"/>
+              </a:rPr>
+              <a:t>声掛け</a:t>
+            </a:r>
+            <a:endParaRPr sz="2700" dirty="0">
               <a:solidFill>
                 <a:schemeClr val="dk1"/>
               </a:solidFill>
@@ -15315,10 +15704,10 @@
               <a:buNone/>
             </a:pPr>
             <a:r>
-              <a:rPr lang="ja" sz="3500"/>
+              <a:rPr lang="ja" sz="3500" dirty="0"/>
               <a:t>落合</a:t>
             </a:r>
-            <a:endParaRPr sz="3500"/>
+            <a:endParaRPr sz="3500" dirty="0"/>
           </a:p>
         </p:txBody>
       </p:sp>
@@ -16132,7 +16521,7 @@
         </p:nvSpPr>
         <p:spPr>
           <a:xfrm>
-            <a:off x="311700" y="337600"/>
+            <a:off x="311700" y="439671"/>
             <a:ext cx="8520600" cy="572700"/>
           </a:xfrm>
           <a:prstGeom prst="rect">
@@ -16155,10 +16544,10 @@
               <a:buNone/>
             </a:pPr>
             <a:r>
-              <a:rPr lang="ja" sz="3500"/>
+              <a:rPr lang="ja" sz="3500" dirty="0"/>
               <a:t>富濱</a:t>
             </a:r>
-            <a:endParaRPr sz="3500"/>
+            <a:endParaRPr sz="3500" dirty="0"/>
           </a:p>
         </p:txBody>
       </p:sp>
@@ -16442,7 +16831,7 @@
         </p:nvSpPr>
         <p:spPr>
           <a:xfrm>
-            <a:off x="311700" y="485300"/>
+            <a:off x="311700" y="431512"/>
             <a:ext cx="8520600" cy="572700"/>
           </a:xfrm>
           <a:prstGeom prst="rect">
@@ -16465,10 +16854,10 @@
               <a:buNone/>
             </a:pPr>
             <a:r>
-              <a:rPr lang="ja" sz="3500"/>
+              <a:rPr lang="ja" sz="3500" dirty="0"/>
               <a:t>目黒</a:t>
             </a:r>
-            <a:endParaRPr sz="3500"/>
+            <a:endParaRPr sz="3500" dirty="0"/>
           </a:p>
         </p:txBody>
       </p:sp>
@@ -17113,6 +17502,10 @@
           </p:nvPr>
         </p:nvSpPr>
         <p:spPr>
+          <a:xfrm>
+            <a:off x="311700" y="377021"/>
+            <a:ext cx="8520600" cy="572700"/>
+          </a:xfrm>
           <a:prstGeom prst="rect">
             <a:avLst/>
           </a:prstGeom>
@@ -17141,7 +17534,7 @@
               <a:buNone/>
             </a:pPr>
             <a:r>
-              <a:rPr lang="ja" sz="3500">
+              <a:rPr lang="ja" sz="3500" dirty="0">
                 <a:latin typeface="Meiryo"/>
                 <a:ea typeface="Meiryo"/>
                 <a:cs typeface="Meiryo"/>
@@ -17149,7 +17542,7 @@
               </a:rPr>
               <a:t>テーマ</a:t>
             </a:r>
-            <a:endParaRPr sz="3500"/>
+            <a:endParaRPr sz="3500" dirty="0"/>
           </a:p>
         </p:txBody>
       </p:sp>
@@ -17301,6 +17694,10 @@
           </p:nvPr>
         </p:nvSpPr>
         <p:spPr>
+          <a:xfrm>
+            <a:off x="311700" y="332875"/>
+            <a:ext cx="8520600" cy="572700"/>
+          </a:xfrm>
           <a:prstGeom prst="rect">
             <a:avLst/>
           </a:prstGeom>
@@ -17329,7 +17726,7 @@
               <a:buNone/>
             </a:pPr>
             <a:r>
-              <a:rPr lang="ja" sz="3850">
+              <a:rPr lang="ja" sz="3850" dirty="0">
                 <a:latin typeface="Meiryo"/>
                 <a:ea typeface="Meiryo"/>
                 <a:cs typeface="Meiryo"/>
@@ -17337,7 +17734,7 @@
               </a:rPr>
               <a:t>思いついた背景</a:t>
             </a:r>
-            <a:endParaRPr sz="3850">
+            <a:endParaRPr sz="3850" dirty="0">
               <a:latin typeface="Meiryo"/>
               <a:ea typeface="Meiryo"/>
               <a:cs typeface="Meiryo"/>
@@ -17357,7 +17754,7 @@
               </a:spcAft>
               <a:buNone/>
             </a:pPr>
-            <a:endParaRPr sz="2200">
+            <a:endParaRPr sz="2200" dirty="0">
               <a:highlight>
                 <a:srgbClr val="FCE5CD"/>
               </a:highlight>
@@ -17404,7 +17801,7 @@
               <a:buNone/>
             </a:pPr>
             <a:r>
-              <a:rPr lang="ja" sz="3000">
+              <a:rPr lang="ja" sz="3000" dirty="0">
                 <a:solidFill>
                   <a:schemeClr val="dk1"/>
                 </a:solidFill>
@@ -17415,7 +17812,7 @@
               </a:rPr>
               <a:t>「課題解決」＆「独自性」を意識</a:t>
             </a:r>
-            <a:endParaRPr sz="3000">
+            <a:endParaRPr lang="en-US" altLang="ja" sz="3000" dirty="0">
               <a:solidFill>
                 <a:schemeClr val="dk1"/>
               </a:solidFill>
@@ -17435,7 +17832,7 @@
               </a:spcAft>
               <a:buNone/>
             </a:pPr>
-            <a:endParaRPr sz="3000">
+            <a:endParaRPr sz="3000" dirty="0">
               <a:solidFill>
                 <a:schemeClr val="dk1"/>
               </a:solidFill>
@@ -17456,7 +17853,7 @@
               <a:buNone/>
             </a:pPr>
             <a:r>
-              <a:rPr lang="ja" sz="3000">
+              <a:rPr lang="ja" sz="3000" dirty="0">
                 <a:solidFill>
                   <a:schemeClr val="dk1"/>
                 </a:solidFill>
@@ -17467,7 +17864,7 @@
               </a:rPr>
               <a:t>・ズボラな人が記録、節約が出来るようにしたい</a:t>
             </a:r>
-            <a:endParaRPr sz="3000">
+            <a:endParaRPr lang="en-US" altLang="ja" sz="3000" dirty="0">
               <a:solidFill>
                 <a:schemeClr val="dk1"/>
               </a:solidFill>
@@ -17485,6 +17882,26 @@
               <a:spcAft>
                 <a:spcPts val="0"/>
               </a:spcAft>
+              <a:buNone/>
+            </a:pPr>
+            <a:endParaRPr sz="3000" dirty="0">
+              <a:solidFill>
+                <a:schemeClr val="dk1"/>
+              </a:solidFill>
+              <a:latin typeface="Meiryo"/>
+              <a:ea typeface="Meiryo"/>
+              <a:cs typeface="Meiryo"/>
+              <a:sym typeface="Meiryo"/>
+            </a:endParaRPr>
+          </a:p>
+          <a:p>
+            <a:pPr marL="0" lvl="0" indent="0" algn="l" rtl="0">
+              <a:spcBef>
+                <a:spcPts val="0"/>
+              </a:spcBef>
+              <a:spcAft>
+                <a:spcPts val="0"/>
+              </a:spcAft>
               <a:buClr>
                 <a:schemeClr val="dk1"/>
               </a:buClr>
@@ -17493,7 +17910,7 @@
               <a:buNone/>
             </a:pPr>
             <a:r>
-              <a:rPr lang="ja" sz="3000">
+              <a:rPr lang="ja" sz="3000" dirty="0">
                 <a:solidFill>
                   <a:schemeClr val="dk1"/>
                 </a:solidFill>
@@ -17504,7 +17921,7 @@
               </a:rPr>
               <a:t>・今までにないコンセプト</a:t>
             </a:r>
-            <a:endParaRPr sz="3000">
+            <a:endParaRPr sz="3000" dirty="0">
               <a:solidFill>
                 <a:schemeClr val="dk1"/>
               </a:solidFill>
@@ -17552,6 +17969,10 @@
           </p:nvPr>
         </p:nvSpPr>
         <p:spPr>
+          <a:xfrm>
+            <a:off x="311700" y="288275"/>
+            <a:ext cx="8520600" cy="572700"/>
+          </a:xfrm>
           <a:prstGeom prst="rect">
             <a:avLst/>
           </a:prstGeom>
@@ -17580,7 +18001,7 @@
               <a:buNone/>
             </a:pPr>
             <a:r>
-              <a:rPr lang="ja" sz="3500">
+              <a:rPr lang="ja" sz="3500" dirty="0">
                 <a:latin typeface="Meiryo"/>
                 <a:ea typeface="Meiryo"/>
                 <a:cs typeface="Meiryo"/>
@@ -17588,7 +18009,7 @@
               </a:rPr>
               <a:t>デモンストレーション</a:t>
             </a:r>
-            <a:endParaRPr sz="3500"/>
+            <a:endParaRPr sz="3500" dirty="0"/>
           </a:p>
         </p:txBody>
       </p:sp>
@@ -17852,7 +18273,7 @@
               <a:buNone/>
             </a:pPr>
             <a:r>
-              <a:rPr lang="ja" b="1">
+              <a:rPr lang="ja" sz="1800" b="1" dirty="0">
                 <a:solidFill>
                   <a:schemeClr val="dk1"/>
                 </a:solidFill>
@@ -17864,7 +18285,7 @@
               <a:t>モーダルウィンドウ(ポップアップ画面)</a:t>
             </a:r>
             <a:r>
-              <a:rPr lang="ja">
+              <a:rPr lang="ja" sz="1800" dirty="0">
                 <a:solidFill>
                   <a:schemeClr val="dk1"/>
                 </a:solidFill>
@@ -17875,7 +18296,7 @@
               </a:rPr>
               <a:t>とデータベースの連携処理</a:t>
             </a:r>
-            <a:endParaRPr>
+            <a:endParaRPr sz="1800" dirty="0">
               <a:solidFill>
                 <a:schemeClr val="dk1"/>
               </a:solidFill>
@@ -17896,7 +18317,7 @@
               <a:buNone/>
             </a:pPr>
             <a:r>
-              <a:rPr lang="ja">
+              <a:rPr lang="ja" sz="1800" dirty="0">
                 <a:solidFill>
                   <a:schemeClr val="dk1"/>
                 </a:solidFill>
@@ -17907,7 +18328,7 @@
               </a:rPr>
               <a:t>…モーダルウィンドウでも、用途によって仕様を変更しなければならない</a:t>
             </a:r>
-            <a:endParaRPr>
+            <a:endParaRPr sz="1800" dirty="0">
               <a:solidFill>
                 <a:schemeClr val="dk1"/>
               </a:solidFill>
@@ -17932,7 +18353,7 @@
               <a:buFont typeface="Arial"/>
               <a:buNone/>
             </a:pPr>
-            <a:endParaRPr>
+            <a:endParaRPr dirty="0">
               <a:solidFill>
                 <a:schemeClr val="dk1"/>
               </a:solidFill>
@@ -17979,7 +18400,7 @@
         </p:nvSpPr>
         <p:spPr>
           <a:xfrm>
-            <a:off x="4572000" y="1844900"/>
+            <a:off x="4496151" y="1627900"/>
             <a:ext cx="4572000" cy="3312300"/>
           </a:xfrm>
           <a:prstGeom prst="rect">
@@ -18006,10 +18427,10 @@
               <a:buNone/>
             </a:pPr>
             <a:r>
-              <a:rPr lang="ja" sz="1600" b="1"/>
+              <a:rPr lang="ja" sz="1600" b="1" dirty="0"/>
               <a:t>レシピ追加の場合、同じデータを2つ別で用意</a:t>
             </a:r>
-            <a:endParaRPr sz="1600" b="1"/>
+            <a:endParaRPr sz="1600" b="1" dirty="0"/>
           </a:p>
           <a:p>
             <a:pPr marL="0" lvl="0" indent="0" algn="l" rtl="0">
@@ -18024,7 +18445,7 @@
               </a:spcAft>
               <a:buNone/>
             </a:pPr>
-            <a:endParaRPr sz="1600">
+            <a:endParaRPr sz="1600" dirty="0">
               <a:solidFill>
                 <a:schemeClr val="dk1"/>
               </a:solidFill>
@@ -18049,14 +18470,14 @@
               <a:buNone/>
             </a:pPr>
             <a:r>
-              <a:rPr lang="ja" sz="1600">
+              <a:rPr lang="ja" sz="1600" dirty="0">
                 <a:solidFill>
                   <a:schemeClr val="dk1"/>
                 </a:solidFill>
               </a:rPr>
               <a:t>①ユーザーへ表示するレシピ情報(画像参照)</a:t>
             </a:r>
-            <a:endParaRPr sz="1600">
+            <a:endParaRPr sz="1600" dirty="0">
               <a:solidFill>
                 <a:schemeClr val="dk1"/>
               </a:solidFill>
@@ -18081,14 +18502,14 @@
               <a:buNone/>
             </a:pPr>
             <a:r>
-              <a:rPr lang="ja" sz="1600">
+              <a:rPr lang="ja" sz="1600" dirty="0">
                 <a:solidFill>
                   <a:schemeClr val="dk1"/>
                 </a:solidFill>
               </a:rPr>
               <a:t>②データベースへ送信する用のレシピ情報</a:t>
             </a:r>
-            <a:endParaRPr sz="1600">
+            <a:endParaRPr sz="1600" dirty="0">
               <a:solidFill>
                 <a:schemeClr val="dk1"/>
               </a:solidFill>
@@ -18113,58 +18534,58 @@
               <a:buNone/>
             </a:pPr>
             <a:r>
-              <a:rPr lang="ja" sz="1600">
+              <a:rPr lang="ja" sz="1600" dirty="0">
                 <a:solidFill>
                   <a:schemeClr val="dk1"/>
                 </a:solidFill>
               </a:rPr>
               <a:t>　(ユーザーには見えないレシピ情報)</a:t>
             </a:r>
-            <a:endParaRPr/>
-          </a:p>
-          <a:p>
-            <a:pPr marL="0" lvl="0" indent="0" algn="l" rtl="0">
-              <a:spcBef>
-                <a:spcPts val="0"/>
-              </a:spcBef>
-              <a:spcAft>
-                <a:spcPts val="0"/>
-              </a:spcAft>
-              <a:buNone/>
-            </a:pPr>
-            <a:endParaRPr/>
-          </a:p>
-          <a:p>
-            <a:pPr marL="0" lvl="0" indent="0" algn="l" rtl="0">
-              <a:spcBef>
-                <a:spcPts val="0"/>
-              </a:spcBef>
-              <a:spcAft>
-                <a:spcPts val="0"/>
-              </a:spcAft>
-              <a:buNone/>
-            </a:pPr>
-            <a:r>
-              <a:rPr lang="ja" sz="1500"/>
+            <a:endParaRPr dirty="0"/>
+          </a:p>
+          <a:p>
+            <a:pPr marL="0" lvl="0" indent="0" algn="l" rtl="0">
+              <a:spcBef>
+                <a:spcPts val="0"/>
+              </a:spcBef>
+              <a:spcAft>
+                <a:spcPts val="0"/>
+              </a:spcAft>
+              <a:buNone/>
+            </a:pPr>
+            <a:endParaRPr dirty="0"/>
+          </a:p>
+          <a:p>
+            <a:pPr marL="0" lvl="0" indent="0" algn="l" rtl="0">
+              <a:spcBef>
+                <a:spcPts val="0"/>
+              </a:spcBef>
+              <a:spcAft>
+                <a:spcPts val="0"/>
+              </a:spcAft>
+              <a:buNone/>
+            </a:pPr>
+            <a:r>
+              <a:rPr lang="ja" sz="1500" dirty="0"/>
               <a:t>理由</a:t>
             </a:r>
-            <a:endParaRPr sz="1500"/>
-          </a:p>
-          <a:p>
-            <a:pPr marL="0" lvl="0" indent="0" algn="l" rtl="0">
-              <a:spcBef>
-                <a:spcPts val="0"/>
-              </a:spcBef>
-              <a:spcAft>
-                <a:spcPts val="0"/>
-              </a:spcAft>
-              <a:buNone/>
-            </a:pPr>
-            <a:r>
-              <a:rPr lang="ja" sz="1500" u="sng"/>
+            <a:endParaRPr sz="1500" dirty="0"/>
+          </a:p>
+          <a:p>
+            <a:pPr marL="0" lvl="0" indent="0" algn="l" rtl="0">
+              <a:spcBef>
+                <a:spcPts val="0"/>
+              </a:spcBef>
+              <a:spcAft>
+                <a:spcPts val="0"/>
+              </a:spcAft>
+              <a:buNone/>
+            </a:pPr>
+            <a:r>
+              <a:rPr lang="ja" sz="1500" u="sng" dirty="0"/>
               <a:t>実装時や実装後の編集・保守を行いやすくするため</a:t>
             </a:r>
-            <a:endParaRPr sz="1500" u="sng"/>
+            <a:endParaRPr sz="1500" u="sng" dirty="0"/>
           </a:p>
           <a:p>
             <a:pPr marL="0" lvl="0" indent="0" algn="l" rtl="0">
@@ -18179,7 +18600,7 @@
               </a:spcAft>
               <a:buNone/>
             </a:pPr>
-            <a:endParaRPr sz="1600"/>
+            <a:endParaRPr sz="1600" dirty="0"/>
           </a:p>
           <a:p>
             <a:pPr marL="0" lvl="0" indent="0" algn="l" rtl="0">
@@ -18195,10 +18616,10 @@
               <a:buNone/>
             </a:pPr>
             <a:r>
-              <a:rPr lang="ja" sz="1600"/>
+              <a:rPr lang="ja" sz="1600" dirty="0"/>
               <a:t>実装段階毎にプログラムの修正を加えていくことの難しさを学んだ</a:t>
             </a:r>
-            <a:endParaRPr sz="1600"/>
+            <a:endParaRPr sz="1600" dirty="0"/>
           </a:p>
         </p:txBody>
       </p:sp>
@@ -18210,8 +18631,8 @@
         </p:nvSpPr>
         <p:spPr>
           <a:xfrm>
-            <a:off x="374425" y="4785000"/>
-            <a:ext cx="3969000" cy="400200"/>
+            <a:off x="374424" y="4785000"/>
+            <a:ext cx="4197575" cy="430857"/>
           </a:xfrm>
           <a:prstGeom prst="rect">
             <a:avLst/>
@@ -18237,10 +18658,10 @@
               <a:buNone/>
             </a:pPr>
             <a:r>
-              <a:rPr lang="ja"/>
+              <a:rPr lang="ja" sz="1600" dirty="0"/>
               <a:t>レシピ追加ページの情報確認用ウィンドウ</a:t>
             </a:r>
-            <a:endParaRPr/>
+            <a:endParaRPr sz="1600" dirty="0"/>
           </a:p>
         </p:txBody>
       </p:sp>
@@ -18307,7 +18728,7 @@
               <a:buNone/>
             </a:pPr>
             <a:r>
-              <a:rPr lang="ja" sz="3500">
+              <a:rPr lang="ja" sz="3500" dirty="0">
                 <a:latin typeface="Meiryo"/>
                 <a:ea typeface="Meiryo"/>
                 <a:cs typeface="Meiryo"/>
@@ -18315,7 +18736,7 @@
               </a:rPr>
               <a:t>工夫点＆苦労した点①</a:t>
             </a:r>
-            <a:endParaRPr sz="3500"/>
+            <a:endParaRPr sz="3500" dirty="0"/>
           </a:p>
         </p:txBody>
       </p:sp>
@@ -18354,8 +18775,8 @@
         </p:nvSpPr>
         <p:spPr>
           <a:xfrm>
-            <a:off x="5827288" y="1430713"/>
-            <a:ext cx="2953200" cy="400200"/>
+            <a:off x="5818227" y="1486929"/>
+            <a:ext cx="2971359" cy="400079"/>
           </a:xfrm>
           <a:prstGeom prst="rect">
             <a:avLst/>
@@ -18381,10 +18802,10 @@
               <a:buNone/>
             </a:pPr>
             <a:r>
-              <a:rPr lang="ja"/>
+              <a:rPr lang="ja" sz="1400" dirty="0"/>
               <a:t>例:レシピ追加の確認用ウィンドウ</a:t>
             </a:r>
-            <a:endParaRPr/>
+            <a:endParaRPr sz="1400" dirty="0"/>
           </a:p>
         </p:txBody>
       </p:sp>
